--- a/ajaykishore-506/Batch-A1.pptx
+++ b/ajaykishore-506/Batch-A1.pptx
@@ -8,10 +8,10 @@
     <p:sldMasterId id="2147483674" r:id="rId4"/>
   </p:sldMasterIdLst>
   <p:notesMasterIdLst>
-    <p:notesMasterId r:id="rId17"/>
+    <p:notesMasterId r:id="rId19"/>
   </p:notesMasterIdLst>
   <p:handoutMasterIdLst>
-    <p:handoutMasterId r:id="rId18"/>
+    <p:handoutMasterId r:id="rId20"/>
   </p:handoutMasterIdLst>
   <p:sldIdLst>
     <p:sldId id="256" r:id="rId5"/>
@@ -23,9 +23,11 @@
     <p:sldId id="262" r:id="rId11"/>
     <p:sldId id="263" r:id="rId12"/>
     <p:sldId id="264" r:id="rId13"/>
-    <p:sldId id="267" r:id="rId14"/>
+    <p:sldId id="269" r:id="rId14"/>
     <p:sldId id="265" r:id="rId15"/>
-    <p:sldId id="266" r:id="rId16"/>
+    <p:sldId id="268" r:id="rId16"/>
+    <p:sldId id="270" r:id="rId17"/>
+    <p:sldId id="266" r:id="rId18"/>
   </p:sldIdLst>
   <p:sldSz cx="12192000" cy="6858000"/>
   <p:notesSz cx="7559675" cy="10691813"/>
@@ -240,7 +242,7 @@
           <a:p>
             <a:fld id="{698EADBF-48AB-41C4-990E-775A920E8AED}" type="datetimeFigureOut">
               <a:rPr lang="en-IN" smtClean="0"/>
-              <a:t>14-08-2023</a:t>
+              <a:t>16-08-2023</a:t>
             </a:fld>
             <a:endParaRPr lang="en-IN"/>
           </a:p>
@@ -417,7 +419,7 @@
           <a:p>
             <a:fld id="{A1AF709B-33BD-491F-8C50-C13BA6E05206}" type="datetimeFigureOut">
               <a:rPr lang="en-IN" smtClean="0"/>
-              <a:t>14-08-2023</a:t>
+              <a:t>16-08-2023</a:t>
             </a:fld>
             <a:endParaRPr lang="en-IN"/>
           </a:p>
@@ -3536,7 +3538,7 @@
           <a:p>
             <a:fld id="{483796CF-7417-41B1-B91A-347131BB0671}" type="datetimeFigureOut">
               <a:rPr lang="en-IN" smtClean="0"/>
-              <a:t>14-08-2023</a:t>
+              <a:t>16-08-2023</a:t>
             </a:fld>
             <a:endParaRPr lang="en-IN"/>
           </a:p>
@@ -3736,7 +3738,7 @@
           <a:p>
             <a:fld id="{483796CF-7417-41B1-B91A-347131BB0671}" type="datetimeFigureOut">
               <a:rPr lang="en-IN" smtClean="0"/>
-              <a:t>14-08-2023</a:t>
+              <a:t>16-08-2023</a:t>
             </a:fld>
             <a:endParaRPr lang="en-IN"/>
           </a:p>
@@ -4012,7 +4014,7 @@
           <a:p>
             <a:fld id="{483796CF-7417-41B1-B91A-347131BB0671}" type="datetimeFigureOut">
               <a:rPr lang="en-IN" smtClean="0"/>
-              <a:t>14-08-2023</a:t>
+              <a:t>16-08-2023</a:t>
             </a:fld>
             <a:endParaRPr lang="en-IN"/>
           </a:p>
@@ -4280,7 +4282,7 @@
           <a:p>
             <a:fld id="{483796CF-7417-41B1-B91A-347131BB0671}" type="datetimeFigureOut">
               <a:rPr lang="en-IN" smtClean="0"/>
-              <a:t>14-08-2023</a:t>
+              <a:t>16-08-2023</a:t>
             </a:fld>
             <a:endParaRPr lang="en-IN"/>
           </a:p>
@@ -4695,7 +4697,7 @@
           <a:p>
             <a:fld id="{483796CF-7417-41B1-B91A-347131BB0671}" type="datetimeFigureOut">
               <a:rPr lang="en-IN" smtClean="0"/>
-              <a:t>14-08-2023</a:t>
+              <a:t>16-08-2023</a:t>
             </a:fld>
             <a:endParaRPr lang="en-IN"/>
           </a:p>
@@ -4943,7 +4945,7 @@
           <a:p>
             <a:fld id="{483796CF-7417-41B1-B91A-347131BB0671}" type="datetimeFigureOut">
               <a:rPr lang="en-IN" smtClean="0"/>
-              <a:t>14-08-2023</a:t>
+              <a:t>16-08-2023</a:t>
             </a:fld>
             <a:endParaRPr lang="en-IN"/>
           </a:p>
@@ -5056,7 +5058,7 @@
           <a:p>
             <a:fld id="{483796CF-7417-41B1-B91A-347131BB0671}" type="datetimeFigureOut">
               <a:rPr lang="en-IN" smtClean="0"/>
-              <a:t>14-08-2023</a:t>
+              <a:t>16-08-2023</a:t>
             </a:fld>
             <a:endParaRPr lang="en-IN"/>
           </a:p>
@@ -5369,7 +5371,7 @@
           <a:p>
             <a:fld id="{483796CF-7417-41B1-B91A-347131BB0671}" type="datetimeFigureOut">
               <a:rPr lang="en-IN" smtClean="0"/>
-              <a:t>14-08-2023</a:t>
+              <a:t>16-08-2023</a:t>
             </a:fld>
             <a:endParaRPr lang="en-IN"/>
           </a:p>
@@ -5658,7 +5660,7 @@
           <a:p>
             <a:fld id="{483796CF-7417-41B1-B91A-347131BB0671}" type="datetimeFigureOut">
               <a:rPr lang="en-IN" smtClean="0"/>
-              <a:t>14-08-2023</a:t>
+              <a:t>16-08-2023</a:t>
             </a:fld>
             <a:endParaRPr lang="en-IN"/>
           </a:p>
@@ -5858,7 +5860,7 @@
           <a:p>
             <a:fld id="{483796CF-7417-41B1-B91A-347131BB0671}" type="datetimeFigureOut">
               <a:rPr lang="en-IN" smtClean="0"/>
-              <a:t>14-08-2023</a:t>
+              <a:t>16-08-2023</a:t>
             </a:fld>
             <a:endParaRPr lang="en-IN"/>
           </a:p>
@@ -6068,7 +6070,7 @@
           <a:p>
             <a:fld id="{483796CF-7417-41B1-B91A-347131BB0671}" type="datetimeFigureOut">
               <a:rPr lang="en-IN" smtClean="0"/>
-              <a:t>14-08-2023</a:t>
+              <a:t>16-08-2023</a:t>
             </a:fld>
             <a:endParaRPr lang="en-IN"/>
           </a:p>
@@ -6290,7 +6292,7 @@
           <a:p>
             <a:fld id="{516599E1-EC2A-4D22-8220-D6ADF4A38050}" type="datetimeFigureOut">
               <a:rPr lang="en-IN" smtClean="0"/>
-              <a:t>14-08-2023</a:t>
+              <a:t>16-08-2023</a:t>
             </a:fld>
             <a:endParaRPr lang="en-IN"/>
           </a:p>
@@ -6490,7 +6492,7 @@
           <a:p>
             <a:fld id="{516599E1-EC2A-4D22-8220-D6ADF4A38050}" type="datetimeFigureOut">
               <a:rPr lang="en-IN" smtClean="0"/>
-              <a:t>14-08-2023</a:t>
+              <a:t>16-08-2023</a:t>
             </a:fld>
             <a:endParaRPr lang="en-IN"/>
           </a:p>
@@ -6766,7 +6768,7 @@
           <a:p>
             <a:fld id="{516599E1-EC2A-4D22-8220-D6ADF4A38050}" type="datetimeFigureOut">
               <a:rPr lang="en-IN" smtClean="0"/>
-              <a:t>14-08-2023</a:t>
+              <a:t>16-08-2023</a:t>
             </a:fld>
             <a:endParaRPr lang="en-IN"/>
           </a:p>
@@ -7034,7 +7036,7 @@
           <a:p>
             <a:fld id="{516599E1-EC2A-4D22-8220-D6ADF4A38050}" type="datetimeFigureOut">
               <a:rPr lang="en-IN" smtClean="0"/>
-              <a:t>14-08-2023</a:t>
+              <a:t>16-08-2023</a:t>
             </a:fld>
             <a:endParaRPr lang="en-IN"/>
           </a:p>
@@ -7598,7 +7600,7 @@
           <a:p>
             <a:fld id="{516599E1-EC2A-4D22-8220-D6ADF4A38050}" type="datetimeFigureOut">
               <a:rPr lang="en-IN" smtClean="0"/>
-              <a:t>14-08-2023</a:t>
+              <a:t>16-08-2023</a:t>
             </a:fld>
             <a:endParaRPr lang="en-IN"/>
           </a:p>
@@ -7740,7 +7742,7 @@
           <a:p>
             <a:fld id="{516599E1-EC2A-4D22-8220-D6ADF4A38050}" type="datetimeFigureOut">
               <a:rPr lang="en-IN" smtClean="0"/>
-              <a:t>14-08-2023</a:t>
+              <a:t>16-08-2023</a:t>
             </a:fld>
             <a:endParaRPr lang="en-IN"/>
           </a:p>
@@ -7853,7 +7855,7 @@
           <a:p>
             <a:fld id="{516599E1-EC2A-4D22-8220-D6ADF4A38050}" type="datetimeFigureOut">
               <a:rPr lang="en-IN" smtClean="0"/>
-              <a:t>14-08-2023</a:t>
+              <a:t>16-08-2023</a:t>
             </a:fld>
             <a:endParaRPr lang="en-IN"/>
           </a:p>
@@ -8166,7 +8168,7 @@
           <a:p>
             <a:fld id="{516599E1-EC2A-4D22-8220-D6ADF4A38050}" type="datetimeFigureOut">
               <a:rPr lang="en-IN" smtClean="0"/>
-              <a:t>14-08-2023</a:t>
+              <a:t>16-08-2023</a:t>
             </a:fld>
             <a:endParaRPr lang="en-IN"/>
           </a:p>
@@ -8455,7 +8457,7 @@
           <a:p>
             <a:fld id="{516599E1-EC2A-4D22-8220-D6ADF4A38050}" type="datetimeFigureOut">
               <a:rPr lang="en-IN" smtClean="0"/>
-              <a:t>14-08-2023</a:t>
+              <a:t>16-08-2023</a:t>
             </a:fld>
             <a:endParaRPr lang="en-IN"/>
           </a:p>
@@ -8655,7 +8657,7 @@
           <a:p>
             <a:fld id="{516599E1-EC2A-4D22-8220-D6ADF4A38050}" type="datetimeFigureOut">
               <a:rPr lang="en-IN" smtClean="0"/>
-              <a:t>14-08-2023</a:t>
+              <a:t>16-08-2023</a:t>
             </a:fld>
             <a:endParaRPr lang="en-IN"/>
           </a:p>
@@ -8865,7 +8867,7 @@
           <a:p>
             <a:fld id="{516599E1-EC2A-4D22-8220-D6ADF4A38050}" type="datetimeFigureOut">
               <a:rPr lang="en-IN" smtClean="0"/>
-              <a:t>14-08-2023</a:t>
+              <a:t>16-08-2023</a:t>
             </a:fld>
             <a:endParaRPr lang="en-IN"/>
           </a:p>
@@ -11388,7 +11390,7 @@
           <a:p>
             <a:fld id="{483796CF-7417-41B1-B91A-347131BB0671}" type="datetimeFigureOut">
               <a:rPr lang="en-IN" smtClean="0"/>
-              <a:t>14-08-2023</a:t>
+              <a:t>16-08-2023</a:t>
             </a:fld>
             <a:endParaRPr lang="en-IN"/>
           </a:p>
@@ -11958,7 +11960,7 @@
           <a:p>
             <a:fld id="{516599E1-EC2A-4D22-8220-D6ADF4A38050}" type="datetimeFigureOut">
               <a:rPr lang="en-IN" smtClean="0"/>
-              <a:t>14-08-2023</a:t>
+              <a:t>16-08-2023</a:t>
             </a:fld>
             <a:endParaRPr lang="en-IN"/>
           </a:p>
@@ -12784,16 +12786,6 @@
               <a:t>(</a:t>
             </a:r>
             <a:r>
-              <a:rPr lang="en-US" sz="2000" b="1" strike="noStrike" spc="-1" dirty="0" err="1">
-                <a:solidFill>
-                  <a:srgbClr val="000000"/>
-                </a:solidFill>
-                <a:latin typeface="Verdana"/>
-                <a:ea typeface="Times New Roman"/>
-              </a:rPr>
-              <a:t>Autonomus</a:t>
-            </a:r>
-            <a:r>
               <a:rPr lang="en-US" sz="2000" b="1" strike="noStrike" spc="-1" dirty="0">
                 <a:solidFill>
                   <a:srgbClr val="000000"/>
@@ -12801,7 +12793,7 @@
                 <a:latin typeface="Verdana"/>
                 <a:ea typeface="Times New Roman"/>
               </a:rPr>
-              <a:t>)</a:t>
+              <a:t>Autonomous)</a:t>
             </a:r>
             <a:endParaRPr lang="en-IN" sz="2000" b="0" strike="noStrike" spc="-1" dirty="0">
               <a:latin typeface="Arial"/>
@@ -13475,111 +13467,169 @@
           </a:bodyPr>
           <a:lstStyle/>
           <a:p>
-            <a:pPr marL="577800" indent="-577800" algn="just">
+            <a:pPr marL="0" indent="0" algn="just">
+              <a:spcBef>
+                <a:spcPts val="1001"/>
+              </a:spcBef>
+              <a:buNone/>
+              <a:tabLst>
+                <a:tab pos="0" algn="l"/>
+              </a:tabLst>
+            </a:pPr>
+            <a:r>
+              <a:rPr lang="en-US" sz="2800" b="0" strike="noStrike" spc="-1" dirty="0">
+                <a:solidFill>
+                  <a:srgbClr val="000000"/>
+                </a:solidFill>
+                <a:latin typeface="Times New Roman" panose="02020603050405020304" pitchFamily="18" charset="0"/>
+                <a:cs typeface="Times New Roman" panose="02020603050405020304" pitchFamily="18" charset="0"/>
+                <a:hlinkClick r:id="rId2" action="ppaction://hlinksldjump"/>
+              </a:rPr>
+              <a:t>[4]</a:t>
+            </a:r>
+            <a:r>
+              <a:rPr lang="en-US" sz="2800" b="0" strike="noStrike" spc="-1" dirty="0">
+                <a:solidFill>
+                  <a:srgbClr val="000000"/>
+                </a:solidFill>
+                <a:latin typeface="Times New Roman" panose="02020603050405020304" pitchFamily="18" charset="0"/>
+                <a:cs typeface="Times New Roman" panose="02020603050405020304" pitchFamily="18" charset="0"/>
+              </a:rPr>
+              <a:t>. Ghassan </a:t>
+            </a:r>
+            <a:r>
+              <a:rPr lang="en-US" sz="2800" b="0" strike="noStrike" spc="-1" dirty="0" err="1">
+                <a:solidFill>
+                  <a:srgbClr val="000000"/>
+                </a:solidFill>
+                <a:latin typeface="Times New Roman" panose="02020603050405020304" pitchFamily="18" charset="0"/>
+                <a:cs typeface="Times New Roman" panose="02020603050405020304" pitchFamily="18" charset="0"/>
+              </a:rPr>
+              <a:t>Sabeeh</a:t>
+            </a:r>
+            <a:r>
+              <a:rPr lang="en-US" sz="2800" b="0" strike="noStrike" spc="-1" dirty="0">
+                <a:solidFill>
+                  <a:srgbClr val="000000"/>
+                </a:solidFill>
+                <a:latin typeface="Times New Roman" panose="02020603050405020304" pitchFamily="18" charset="0"/>
+                <a:cs typeface="Times New Roman" panose="02020603050405020304" pitchFamily="18" charset="0"/>
+              </a:rPr>
+              <a:t> Mahmood, Dong Jun Huang, </a:t>
+            </a:r>
+            <a:r>
+              <a:rPr lang="en-US" sz="2800" b="0" strike="noStrike" spc="-1" dirty="0" err="1">
+                <a:solidFill>
+                  <a:srgbClr val="000000"/>
+                </a:solidFill>
+                <a:latin typeface="Times New Roman" panose="02020603050405020304" pitchFamily="18" charset="0"/>
+                <a:cs typeface="Times New Roman" panose="02020603050405020304" pitchFamily="18" charset="0"/>
+              </a:rPr>
+              <a:t>Baidaa</a:t>
+            </a:r>
+            <a:r>
+              <a:rPr lang="en-US" sz="2800" b="0" strike="noStrike" spc="-1" dirty="0">
+                <a:solidFill>
+                  <a:srgbClr val="000000"/>
+                </a:solidFill>
+                <a:latin typeface="Times New Roman" panose="02020603050405020304" pitchFamily="18" charset="0"/>
+                <a:cs typeface="Times New Roman" panose="02020603050405020304" pitchFamily="18" charset="0"/>
+              </a:rPr>
+              <a:t> Abdulrahman</a:t>
+            </a:r>
+          </a:p>
+          <a:p>
+            <a:pPr marL="0" indent="0" algn="just">
               <a:lnSpc>
-                <a:spcPts val="3700"/>
+                <a:spcPct val="100000"/>
               </a:lnSpc>
               <a:spcBef>
                 <a:spcPts val="1001"/>
               </a:spcBef>
+              <a:buNone/>
               <a:tabLst>
                 <a:tab pos="0" algn="l"/>
               </a:tabLst>
             </a:pPr>
             <a:r>
-              <a:rPr lang="en-US" dirty="0">
+              <a:rPr lang="en-US" sz="2800" b="0" strike="noStrike" spc="-1" dirty="0">
+                <a:solidFill>
+                  <a:srgbClr val="000000"/>
+                </a:solidFill>
                 <a:latin typeface="Times New Roman" panose="02020603050405020304" pitchFamily="18" charset="0"/>
                 <a:cs typeface="Times New Roman" panose="02020603050405020304" pitchFamily="18" charset="0"/>
               </a:rPr>
-              <a:t>[4]</a:t>
-            </a:r>
-            <a:r>
-              <a:rPr lang="en-IN" dirty="0"/>
-              <a:t> </a:t>
-            </a:r>
-            <a:r>
-              <a:rPr lang="en-IN" dirty="0">
+              <a:t>Jaleel, </a:t>
+            </a:r>
+            <a:r>
+              <a:rPr lang="en-US" sz="2800" b="0" u="sng" strike="noStrike" spc="-1" dirty="0">
+                <a:solidFill>
+                  <a:srgbClr val="0070C0"/>
+                </a:solidFill>
                 <a:latin typeface="Times New Roman" panose="02020603050405020304" pitchFamily="18" charset="0"/>
                 <a:cs typeface="Times New Roman" panose="02020603050405020304" pitchFamily="18" charset="0"/>
               </a:rPr>
-              <a:t>Ghassan </a:t>
-            </a:r>
-            <a:r>
-              <a:rPr lang="en-IN" dirty="0" err="1">
-                <a:latin typeface="Times New Roman" panose="02020603050405020304" pitchFamily="18" charset="0"/>
-                <a:cs typeface="Times New Roman" panose="02020603050405020304" pitchFamily="18" charset="0"/>
-              </a:rPr>
-              <a:t>Sabeeh</a:t>
-            </a:r>
-            <a:r>
-              <a:rPr lang="en-IN" dirty="0">
-                <a:latin typeface="Times New Roman" panose="02020603050405020304" pitchFamily="18" charset="0"/>
-                <a:cs typeface="Times New Roman" panose="02020603050405020304" pitchFamily="18" charset="0"/>
-              </a:rPr>
-              <a:t> Mahmood, Dong Jun Huang, </a:t>
-            </a:r>
-            <a:r>
-              <a:rPr lang="en-IN" dirty="0" err="1">
-                <a:latin typeface="Times New Roman" panose="02020603050405020304" pitchFamily="18" charset="0"/>
-                <a:cs typeface="Times New Roman" panose="02020603050405020304" pitchFamily="18" charset="0"/>
-              </a:rPr>
-              <a:t>Baidaa</a:t>
-            </a:r>
-            <a:r>
-              <a:rPr lang="en-IN" dirty="0">
-                <a:latin typeface="Times New Roman" panose="02020603050405020304" pitchFamily="18" charset="0"/>
-                <a:cs typeface="Times New Roman" panose="02020603050405020304" pitchFamily="18" charset="0"/>
-              </a:rPr>
-              <a:t> Abdulrahman Jaleel, </a:t>
-            </a:r>
-            <a:r>
-              <a:rPr lang="en-IN" dirty="0">
-                <a:latin typeface="Times New Roman" panose="02020603050405020304" pitchFamily="18" charset="0"/>
-                <a:cs typeface="Times New Roman" panose="02020603050405020304" pitchFamily="18" charset="0"/>
-                <a:hlinkClick r:id="rId2" action="ppaction://hlinkpres?slideindex=1&amp;slidetitle="/>
-              </a:rPr>
-              <a:t>“</a:t>
-            </a:r>
-            <a:r>
-              <a:rPr lang="en-US" dirty="0">
-                <a:latin typeface="Times New Roman" panose="02020603050405020304" pitchFamily="18" charset="0"/>
-                <a:cs typeface="Times New Roman" panose="02020603050405020304" pitchFamily="18" charset="0"/>
-                <a:hlinkClick r:id="rId2" action="ppaction://hlinkpres?slideindex=1&amp;slidetitle="/>
-              </a:rPr>
-              <a:t>Achieving an Effective, Confidentiality and Integrity of Data in Cloud Computing” </a:t>
-            </a:r>
-            <a:r>
-              <a:rPr lang="en-US" dirty="0">
-                <a:latin typeface="Times New Roman" panose="02020603050405020304" pitchFamily="18" charset="0"/>
-                <a:cs typeface="Times New Roman" panose="02020603050405020304" pitchFamily="18" charset="0"/>
-              </a:rPr>
-              <a:t>International Journal of Network Security, Vol.21, No.2, PP.326-332, Mar. 2019.</a:t>
-            </a:r>
-            <a:endParaRPr lang="en-US" sz="2800" b="0" strike="noStrike" spc="-1" dirty="0">
-              <a:solidFill>
-                <a:srgbClr val="000000"/>
-              </a:solidFill>
-              <a:latin typeface="Times New Roman" panose="02020603050405020304" pitchFamily="18" charset="0"/>
-              <a:cs typeface="Times New Roman" panose="02020603050405020304" pitchFamily="18" charset="0"/>
-            </a:endParaRPr>
-          </a:p>
-          <a:p>
-            <a:pPr marL="577800" indent="-577800" algn="just">
+              <a:t>“Achieving an Effective, Confidentiality and Integrity of Data in</a:t>
+            </a:r>
+          </a:p>
+          <a:p>
+            <a:pPr marL="0" indent="0" algn="just">
               <a:lnSpc>
-                <a:spcPct val="90000"/>
+                <a:spcPct val="100000"/>
               </a:lnSpc>
               <a:spcBef>
                 <a:spcPts val="1001"/>
               </a:spcBef>
+              <a:buNone/>
               <a:tabLst>
                 <a:tab pos="0" algn="l"/>
               </a:tabLst>
             </a:pPr>
-            <a:endParaRPr lang="en-US" sz="2800" b="0" strike="noStrike" spc="-1" dirty="0">
-              <a:solidFill>
-                <a:srgbClr val="000000"/>
-              </a:solidFill>
-              <a:latin typeface="Times New Roman"/>
+            <a:r>
+              <a:rPr lang="en-US" sz="2800" b="0" u="sng" strike="noStrike" spc="-1" dirty="0">
+                <a:solidFill>
+                  <a:srgbClr val="0070C0"/>
+                </a:solidFill>
+                <a:latin typeface="Times New Roman" panose="02020603050405020304" pitchFamily="18" charset="0"/>
+                <a:cs typeface="Times New Roman" panose="02020603050405020304" pitchFamily="18" charset="0"/>
+              </a:rPr>
+              <a:t>Cloud Computing” </a:t>
+            </a:r>
+            <a:r>
+              <a:rPr lang="en-US" sz="2800" b="0" strike="noStrike" spc="-1" dirty="0">
+                <a:solidFill>
+                  <a:srgbClr val="000000"/>
+                </a:solidFill>
+                <a:latin typeface="Times New Roman" panose="02020603050405020304" pitchFamily="18" charset="0"/>
+                <a:cs typeface="Times New Roman" panose="02020603050405020304" pitchFamily="18" charset="0"/>
+              </a:rPr>
+              <a:t>International Journal of Network Security, Vol.21, No.2,</a:t>
+            </a:r>
+          </a:p>
+          <a:p>
+            <a:pPr marL="0" indent="0" algn="just">
+              <a:spcBef>
+                <a:spcPts val="1001"/>
+              </a:spcBef>
+              <a:buNone/>
+              <a:tabLst>
+                <a:tab pos="0" algn="l"/>
+              </a:tabLst>
+            </a:pPr>
+            <a:r>
+              <a:rPr lang="en-US" sz="2800" b="0" strike="noStrike" spc="-1" dirty="0">
+                <a:solidFill>
+                  <a:srgbClr val="000000"/>
+                </a:solidFill>
+                <a:latin typeface="Times New Roman" panose="02020603050405020304" pitchFamily="18" charset="0"/>
+                <a:cs typeface="Times New Roman" panose="02020603050405020304" pitchFamily="18" charset="0"/>
+              </a:rPr>
+              <a:t>PP.326-332, Mar. 2019.</a:t>
+            </a:r>
+            <a:endParaRPr lang="en-GB" i="0" dirty="0">
+              <a:effectLst/>
+              <a:latin typeface="Times New Roman" panose="02020603050405020304" pitchFamily="18" charset="0"/>
+              <a:cs typeface="Times New Roman" panose="02020603050405020304" pitchFamily="18" charset="0"/>
             </a:endParaRPr>
           </a:p>
         </p:txBody>
@@ -13587,7 +13637,7 @@
     </p:spTree>
     <p:extLst>
       <p:ext uri="{BB962C8B-B14F-4D97-AF65-F5344CB8AC3E}">
-        <p14:creationId xmlns:p14="http://schemas.microsoft.com/office/powerpoint/2010/main" val="2109418934"/>
+        <p14:creationId xmlns:p14="http://schemas.microsoft.com/office/powerpoint/2010/main" val="3303409688"/>
       </p:ext>
     </p:extLst>
   </p:cSld>
@@ -13783,6 +13833,326 @@
       </p:grpSpPr>
       <p:sp>
         <p:nvSpPr>
+          <p:cNvPr id="113" name="PlaceHolder 1"/>
+          <p:cNvSpPr>
+            <a:spLocks noGrp="1"/>
+          </p:cNvSpPr>
+          <p:nvPr>
+            <p:ph type="title" idx="4294967295"/>
+          </p:nvPr>
+        </p:nvSpPr>
+        <p:spPr>
+          <a:xfrm>
+            <a:off x="0" y="232920"/>
+            <a:ext cx="12191760" cy="714600"/>
+          </a:xfrm>
+          <a:prstGeom prst="rect">
+            <a:avLst/>
+          </a:prstGeom>
+          <a:solidFill>
+            <a:srgbClr val="FF6600"/>
+          </a:solidFill>
+          <a:ln w="0">
+            <a:noFill/>
+          </a:ln>
+          <a:effectLst>
+            <a:outerShdw blurRad="44280" dist="28080" dir="5400000" rotWithShape="0">
+              <a:srgbClr val="000000">
+                <a:alpha val="32000"/>
+              </a:srgbClr>
+            </a:outerShdw>
+          </a:effectLst>
+        </p:spPr>
+        <p:txBody>
+          <a:bodyPr lIns="90000" tIns="45000" rIns="90000" bIns="45000" anchor="t">
+            <a:noAutofit/>
+          </a:bodyPr>
+          <a:lstStyle/>
+          <a:p>
+            <a:pPr>
+              <a:lnSpc>
+                <a:spcPct val="90000"/>
+              </a:lnSpc>
+            </a:pPr>
+            <a:r>
+              <a:rPr lang="en-IN" sz="4400" b="0" strike="noStrike" spc="-1">
+                <a:solidFill>
+                  <a:srgbClr val="FFFFFF"/>
+                </a:solidFill>
+                <a:latin typeface="Times New Roman"/>
+              </a:rPr>
+              <a:t>Git Hub Dashboards of each student</a:t>
+            </a:r>
+            <a:endParaRPr lang="en-US" sz="4400" b="0" strike="noStrike" spc="-1">
+              <a:solidFill>
+                <a:srgbClr val="000000"/>
+              </a:solidFill>
+              <a:latin typeface="Calibri"/>
+            </a:endParaRPr>
+          </a:p>
+        </p:txBody>
+      </p:sp>
+      <p:sp>
+        <p:nvSpPr>
+          <p:cNvPr id="5" name="TextBox 4">
+            <a:hlinkClick r:id="rId2"/>
+            <a:extLst>
+              <a:ext uri="{FF2B5EF4-FFF2-40B4-BE49-F238E27FC236}">
+                <a16:creationId xmlns:a16="http://schemas.microsoft.com/office/drawing/2014/main" id="{33A7CD1E-1F84-98EC-EFF5-A26028C3A8A6}"/>
+              </a:ext>
+            </a:extLst>
+          </p:cNvPr>
+          <p:cNvSpPr txBox="1"/>
+          <p:nvPr/>
+        </p:nvSpPr>
+        <p:spPr>
+          <a:xfrm>
+            <a:off x="1337032" y="6213813"/>
+            <a:ext cx="9506371" cy="369332"/>
+          </a:xfrm>
+          <a:prstGeom prst="rect">
+            <a:avLst/>
+          </a:prstGeom>
+          <a:noFill/>
+        </p:spPr>
+        <p:txBody>
+          <a:bodyPr wrap="square" rtlCol="0">
+            <a:spAutoFit/>
+          </a:bodyPr>
+          <a:lstStyle/>
+          <a:p>
+            <a:r>
+              <a:rPr lang="en-IN" dirty="0">
+                <a:hlinkClick r:id="rId3" action="ppaction://hlinksldjump"/>
+              </a:rPr>
+              <a:t>https://github.com/SRIT-CSE/CRYPTOGRAPHY.git</a:t>
+            </a:r>
+            <a:endParaRPr lang="en-IN" dirty="0"/>
+          </a:p>
+        </p:txBody>
+      </p:sp>
+      <p:pic>
+        <p:nvPicPr>
+          <p:cNvPr id="4" name="Picture 3">
+            <a:extLst>
+              <a:ext uri="{FF2B5EF4-FFF2-40B4-BE49-F238E27FC236}">
+                <a16:creationId xmlns:a16="http://schemas.microsoft.com/office/drawing/2014/main" id="{849AD78C-912F-8FE5-5658-4928CA0C9BC0}"/>
+              </a:ext>
+            </a:extLst>
+          </p:cNvPr>
+          <p:cNvPicPr>
+            <a:picLocks noChangeAspect="1"/>
+          </p:cNvPicPr>
+          <p:nvPr/>
+        </p:nvPicPr>
+        <p:blipFill>
+          <a:blip r:embed="rId4"/>
+          <a:stretch>
+            <a:fillRect/>
+          </a:stretch>
+        </p:blipFill>
+        <p:spPr>
+          <a:xfrm>
+            <a:off x="1086927" y="1035170"/>
+            <a:ext cx="10158242" cy="5016104"/>
+          </a:xfrm>
+          <a:prstGeom prst="rect">
+            <a:avLst/>
+          </a:prstGeom>
+        </p:spPr>
+      </p:pic>
+    </p:spTree>
+    <p:extLst>
+      <p:ext uri="{BB962C8B-B14F-4D97-AF65-F5344CB8AC3E}">
+        <p14:creationId xmlns:p14="http://schemas.microsoft.com/office/powerpoint/2010/main" val="1763932073"/>
+      </p:ext>
+    </p:extLst>
+  </p:cSld>
+  <p:clrMapOvr>
+    <a:masterClrMapping/>
+  </p:clrMapOvr>
+</p:sld>
+</file>
+
+<file path=ppt/slides/slide13.xml><?xml version="1.0" encoding="utf-8"?>
+<p:sld xmlns:a="http://schemas.openxmlformats.org/drawingml/2006/main" xmlns:r="http://schemas.openxmlformats.org/officeDocument/2006/relationships" xmlns:p="http://schemas.openxmlformats.org/presentationml/2006/main">
+  <p:cSld>
+    <p:spTree>
+      <p:nvGrpSpPr>
+        <p:cNvPr id="1" name=""/>
+        <p:cNvGrpSpPr/>
+        <p:nvPr/>
+      </p:nvGrpSpPr>
+      <p:grpSpPr>
+        <a:xfrm>
+          <a:off x="0" y="0"/>
+          <a:ext cx="0" cy="0"/>
+          <a:chOff x="0" y="0"/>
+          <a:chExt cx="0" cy="0"/>
+        </a:xfrm>
+      </p:grpSpPr>
+      <p:sp>
+        <p:nvSpPr>
+          <p:cNvPr id="113" name="PlaceHolder 1"/>
+          <p:cNvSpPr>
+            <a:spLocks noGrp="1"/>
+          </p:cNvSpPr>
+          <p:nvPr>
+            <p:ph type="title" idx="4294967295"/>
+          </p:nvPr>
+        </p:nvSpPr>
+        <p:spPr>
+          <a:xfrm>
+            <a:off x="0" y="232920"/>
+            <a:ext cx="12191760" cy="714600"/>
+          </a:xfrm>
+          <a:prstGeom prst="rect">
+            <a:avLst/>
+          </a:prstGeom>
+          <a:solidFill>
+            <a:srgbClr val="FF6600"/>
+          </a:solidFill>
+          <a:ln w="0">
+            <a:noFill/>
+          </a:ln>
+          <a:effectLst>
+            <a:outerShdw blurRad="44280" dist="28080" dir="5400000" rotWithShape="0">
+              <a:srgbClr val="000000">
+                <a:alpha val="32000"/>
+              </a:srgbClr>
+            </a:outerShdw>
+          </a:effectLst>
+        </p:spPr>
+        <p:txBody>
+          <a:bodyPr lIns="90000" tIns="45000" rIns="90000" bIns="45000" anchor="t">
+            <a:noAutofit/>
+          </a:bodyPr>
+          <a:lstStyle/>
+          <a:p>
+            <a:pPr>
+              <a:lnSpc>
+                <a:spcPct val="90000"/>
+              </a:lnSpc>
+            </a:pPr>
+            <a:r>
+              <a:rPr lang="en-IN" sz="4400" b="0" strike="noStrike" spc="-1">
+                <a:solidFill>
+                  <a:srgbClr val="FFFFFF"/>
+                </a:solidFill>
+                <a:latin typeface="Times New Roman"/>
+              </a:rPr>
+              <a:t>Git Hub Dashboards of each student</a:t>
+            </a:r>
+            <a:endParaRPr lang="en-US" sz="4400" b="0" strike="noStrike" spc="-1">
+              <a:solidFill>
+                <a:srgbClr val="000000"/>
+              </a:solidFill>
+              <a:latin typeface="Calibri"/>
+            </a:endParaRPr>
+          </a:p>
+        </p:txBody>
+      </p:sp>
+      <p:sp>
+        <p:nvSpPr>
+          <p:cNvPr id="5" name="TextBox 4">
+            <a:hlinkClick r:id="rId2"/>
+            <a:extLst>
+              <a:ext uri="{FF2B5EF4-FFF2-40B4-BE49-F238E27FC236}">
+                <a16:creationId xmlns:a16="http://schemas.microsoft.com/office/drawing/2014/main" id="{33A7CD1E-1F84-98EC-EFF5-A26028C3A8A6}"/>
+              </a:ext>
+            </a:extLst>
+          </p:cNvPr>
+          <p:cNvSpPr txBox="1"/>
+          <p:nvPr/>
+        </p:nvSpPr>
+        <p:spPr>
+          <a:xfrm>
+            <a:off x="1337032" y="6213813"/>
+            <a:ext cx="9506371" cy="369332"/>
+          </a:xfrm>
+          <a:prstGeom prst="rect">
+            <a:avLst/>
+          </a:prstGeom>
+          <a:noFill/>
+        </p:spPr>
+        <p:txBody>
+          <a:bodyPr wrap="square" rtlCol="0">
+            <a:spAutoFit/>
+          </a:bodyPr>
+          <a:lstStyle/>
+          <a:p>
+            <a:r>
+              <a:rPr lang="en-IN" dirty="0">
+                <a:hlinkClick r:id="rId3" action="ppaction://hlinksldjump"/>
+              </a:rPr>
+              <a:t>https://github.com/SRIT-CSE/CRYPTOGRAPHY.git</a:t>
+            </a:r>
+            <a:endParaRPr lang="en-IN" dirty="0"/>
+          </a:p>
+        </p:txBody>
+      </p:sp>
+      <p:pic>
+        <p:nvPicPr>
+          <p:cNvPr id="3" name="Picture 2">
+            <a:extLst>
+              <a:ext uri="{FF2B5EF4-FFF2-40B4-BE49-F238E27FC236}">
+                <a16:creationId xmlns:a16="http://schemas.microsoft.com/office/drawing/2014/main" id="{C1F09F6A-6241-057D-C3A2-1D4D8F4F4F8F}"/>
+              </a:ext>
+            </a:extLst>
+          </p:cNvPr>
+          <p:cNvPicPr>
+            <a:picLocks noChangeAspect="1"/>
+          </p:cNvPicPr>
+          <p:nvPr/>
+        </p:nvPicPr>
+        <p:blipFill>
+          <a:blip r:embed="rId4"/>
+          <a:stretch>
+            <a:fillRect/>
+          </a:stretch>
+        </p:blipFill>
+        <p:spPr>
+          <a:xfrm>
+            <a:off x="646980" y="1089478"/>
+            <a:ext cx="10190692" cy="4802364"/>
+          </a:xfrm>
+          <a:prstGeom prst="rect">
+            <a:avLst/>
+          </a:prstGeom>
+        </p:spPr>
+      </p:pic>
+    </p:spTree>
+    <p:extLst>
+      <p:ext uri="{BB962C8B-B14F-4D97-AF65-F5344CB8AC3E}">
+        <p14:creationId xmlns:p14="http://schemas.microsoft.com/office/powerpoint/2010/main" val="3250186099"/>
+      </p:ext>
+    </p:extLst>
+  </p:cSld>
+  <p:clrMapOvr>
+    <a:masterClrMapping/>
+  </p:clrMapOvr>
+</p:sld>
+</file>
+
+<file path=ppt/slides/slide14.xml><?xml version="1.0" encoding="utf-8"?>
+<p:sld xmlns:a="http://schemas.openxmlformats.org/drawingml/2006/main" xmlns:r="http://schemas.openxmlformats.org/officeDocument/2006/relationships" xmlns:p="http://schemas.openxmlformats.org/presentationml/2006/main">
+  <p:cSld>
+    <p:spTree>
+      <p:nvGrpSpPr>
+        <p:cNvPr id="1" name=""/>
+        <p:cNvGrpSpPr/>
+        <p:nvPr/>
+      </p:nvGrpSpPr>
+      <p:grpSpPr>
+        <a:xfrm>
+          <a:off x="0" y="0"/>
+          <a:ext cx="0" cy="0"/>
+          <a:chOff x="0" y="0"/>
+          <a:chExt cx="0" cy="0"/>
+        </a:xfrm>
+      </p:grpSpPr>
+      <p:sp>
+        <p:nvSpPr>
           <p:cNvPr id="116" name="Rectangle 1"/>
           <p:cNvSpPr/>
           <p:nvPr/>
@@ -14256,7 +14626,7 @@
               </a:spcBef>
             </a:pPr>
             <a:r>
-              <a:rPr lang="en-US" sz="2800" b="0" strike="noStrike" spc="-1" dirty="0">
+              <a:rPr lang="en-US" b="0" strike="noStrike" spc="-1" dirty="0">
                 <a:solidFill>
                   <a:schemeClr val="bg1"/>
                 </a:solidFill>
@@ -14264,7 +14634,7 @@
               </a:rPr>
               <a:t>Abstract</a:t>
             </a:r>
-            <a:endParaRPr lang="en-US" sz="2800" b="0" strike="noStrike" spc="-1" dirty="0">
+            <a:endParaRPr lang="en-US" b="0" strike="noStrike" spc="-1" dirty="0">
               <a:solidFill>
                 <a:schemeClr val="bg1"/>
               </a:solidFill>
@@ -14339,7 +14709,7 @@
                 <a:latin typeface="Times New Roman" panose="02020603050405020304" pitchFamily="18" charset="0"/>
                 <a:cs typeface="Times New Roman" panose="02020603050405020304" pitchFamily="18" charset="0"/>
               </a:rPr>
-              <a:t>In Today's world , Many organizations use cloud environment for storing the data. As cloud technology becomes popular, data security is a big concern. To fix this issue, here we are securing cloud data by using Hybrid Cryptography, Steganography, Information Concealment, and Hashing Functions.</a:t>
+              <a:t>In Today's world , many organizations use cloud environment for storing the data. As cloud technology becomes popular, data security is a big concern. To fix this issue, here we are securing cloud data by using Hybrid Cryptography, Steganography, Information Concealment, and Hashing Functions.</a:t>
             </a:r>
           </a:p>
           <a:p>
@@ -14361,7 +14731,28 @@
                 <a:latin typeface="Times New Roman" panose="02020603050405020304" pitchFamily="18" charset="0"/>
                 <a:cs typeface="Times New Roman" panose="02020603050405020304" pitchFamily="18" charset="0"/>
               </a:rPr>
-              <a:t>     In this procedure, we perform data encryption through combining Asymmetric and Symmetric Algorithms. To optimize storage and enhance the security layers, we introduce a compression Algorithm immediately after the initial encryption phase. The compressed data will be hidden in an image using steganography algorithms. Finally we use hashing algorithm for validation purpose.</a:t>
+              <a:t>         In this </a:t>
+            </a:r>
+            <a:r>
+              <a:rPr lang="en-GB" dirty="0">
+                <a:solidFill>
+                  <a:srgbClr val="222222"/>
+                </a:solidFill>
+                <a:latin typeface="Times New Roman" panose="02020603050405020304" pitchFamily="18" charset="0"/>
+                <a:cs typeface="Times New Roman" panose="02020603050405020304" pitchFamily="18" charset="0"/>
+              </a:rPr>
+              <a:t>system</a:t>
+            </a:r>
+            <a:r>
+              <a:rPr lang="en-GB" b="0" i="0" dirty="0">
+                <a:solidFill>
+                  <a:srgbClr val="222222"/>
+                </a:solidFill>
+                <a:effectLst/>
+                <a:latin typeface="Times New Roman" panose="02020603050405020304" pitchFamily="18" charset="0"/>
+                <a:cs typeface="Times New Roman" panose="02020603050405020304" pitchFamily="18" charset="0"/>
+              </a:rPr>
+              <a:t>, we perform data encryption through combining Asymmetric and Symmetric Algorithms. To optimize storage and enhance the security layers, we introduce a compression Algorithm immediately after the initial encryption phase. The compressed data will be hidden in an image using steganography algorithms. Finally we use hashing algorithm for validation purpose.</a:t>
             </a:r>
           </a:p>
           <a:p>
@@ -14398,7 +14789,7 @@
                 </a:solidFill>
                 <a:latin typeface="Times New Roman"/>
               </a:rPr>
-              <a:t>Keywords- Encryption, Information Concealment, Hashing </a:t>
+              <a:t>Keywords: Encryption, Information Concealment, Hashing.</a:t>
             </a:r>
           </a:p>
           <a:p>
@@ -14520,7 +14911,7 @@
         <p:spPr>
           <a:xfrm>
             <a:off x="199440" y="1097280"/>
-            <a:ext cx="11459520" cy="5075280"/>
+            <a:ext cx="11322000" cy="5075280"/>
           </a:xfrm>
           <a:prstGeom prst="rect">
             <a:avLst/>
@@ -14548,7 +14939,22 @@
                 <a:latin typeface="Times New Roman" panose="02020603050405020304" pitchFamily="18" charset="0"/>
                 <a:cs typeface="Times New Roman" panose="02020603050405020304" pitchFamily="18" charset="0"/>
               </a:rPr>
-              <a:t>The increase in data breaches in cloud computing puts all users at risk of business problems, highlighting the need to improve security measures.</a:t>
+              <a:t> The increase in data breaches in cloud computing puts all users at risk of </a:t>
+            </a:r>
+          </a:p>
+          <a:p>
+            <a:pPr marL="0" indent="0">
+              <a:lnSpc>
+                <a:spcPct val="100000"/>
+              </a:lnSpc>
+              <a:buNone/>
+            </a:pPr>
+            <a:r>
+              <a:rPr lang="en-GB" dirty="0">
+                <a:latin typeface="Times New Roman" panose="02020603050405020304" pitchFamily="18" charset="0"/>
+                <a:cs typeface="Times New Roman" panose="02020603050405020304" pitchFamily="18" charset="0"/>
+              </a:rPr>
+              <a:t>     business  problems, highlighting the need to improve security measures.</a:t>
             </a:r>
           </a:p>
           <a:p>
@@ -14568,16 +14974,15 @@
                 <a:latin typeface="Times New Roman" panose="02020603050405020304" pitchFamily="18" charset="0"/>
                 <a:cs typeface="Times New Roman" panose="02020603050405020304" pitchFamily="18" charset="0"/>
               </a:rPr>
-              <a:t>To mitigate the growing risks of data threats faced by users in the Cloud Environment, proactive measures are essential.</a:t>
-            </a:r>
-          </a:p>
-          <a:p>
-            <a:pPr>
+              <a:t> To mitigate the growing risks of data threats faced by users in the Cloud</a:t>
+            </a:r>
+          </a:p>
+          <a:p>
+            <a:pPr marL="0" indent="0">
               <a:lnSpc>
                 <a:spcPct val="100000"/>
               </a:lnSpc>
-              <a:buFont typeface="Wingdings" panose="05000000000000000000" pitchFamily="2" charset="2"/>
-              <a:buChar char="Ø"/>
+              <a:buNone/>
             </a:pPr>
             <a:r>
               <a:rPr lang="en-GB" dirty="0">
@@ -14587,7 +14992,7 @@
                 <a:latin typeface="Times New Roman" panose="02020603050405020304" pitchFamily="18" charset="0"/>
                 <a:cs typeface="Times New Roman" panose="02020603050405020304" pitchFamily="18" charset="0"/>
               </a:rPr>
-              <a:t>Here, We</a:t>
+              <a:t> </a:t>
             </a:r>
             <a:r>
               <a:rPr lang="en-GB" b="0" i="0" dirty="0">
@@ -14598,8 +15003,16 @@
                 <a:latin typeface="Times New Roman" panose="02020603050405020304" pitchFamily="18" charset="0"/>
                 <a:cs typeface="Times New Roman" panose="02020603050405020304" pitchFamily="18" charset="0"/>
               </a:rPr>
-              <a:t> use Cryptography, Steganography, and Hashing algorithms to  secure and authenticate data effectively.</a:t>
-            </a:r>
+              <a:t>    Environment, proactive measures are essential.</a:t>
+            </a:r>
+          </a:p>
+          <a:p>
+            <a:pPr marL="0" indent="0">
+              <a:lnSpc>
+                <a:spcPct val="100000"/>
+              </a:lnSpc>
+              <a:buNone/>
+            </a:pPr>
             <a:br>
               <a:rPr lang="en-GB" dirty="0">
                 <a:latin typeface="Times New Roman" panose="02020603050405020304" pitchFamily="18" charset="0"/>
@@ -14743,13 +15156,19 @@
               </a:tabLst>
             </a:pPr>
             <a:r>
-              <a:rPr lang="en-US" sz="2800" b="0" strike="noStrike" spc="-1" dirty="0">
-                <a:solidFill>
-                  <a:srgbClr val="000000"/>
-                </a:solidFill>
-                <a:latin typeface="Times New Roman"/>
+              <a:rPr lang="en-US" dirty="0">
+                <a:latin typeface="Times New Roman" panose="02020603050405020304" pitchFamily="18" charset="0"/>
+                <a:cs typeface="Times New Roman" panose="02020603050405020304" pitchFamily="18" charset="0"/>
               </a:rPr>
-              <a:t>By Utilizing a Hybrid Encryption scheme, Data security is significantly strengthened, and the risk of hacking is reduced.</a:t>
+              <a:t>To </a:t>
+            </a:r>
+            <a:r>
+              <a:rPr lang="en-US" b="0" i="0" dirty="0">
+                <a:effectLst/>
+                <a:latin typeface="Times New Roman" panose="02020603050405020304" pitchFamily="18" charset="0"/>
+                <a:cs typeface="Times New Roman" panose="02020603050405020304" pitchFamily="18" charset="0"/>
+              </a:rPr>
+              <a:t>Implement a Hybrid Encryption scheme to enhance Data security and minimize the risk of hacking.</a:t>
             </a:r>
           </a:p>
           <a:p>
@@ -14765,13 +15184,40 @@
               </a:tabLst>
             </a:pPr>
             <a:r>
+              <a:rPr lang="en-IN" b="0" i="0" dirty="0">
+                <a:effectLst/>
+                <a:latin typeface="Times New Roman" panose="02020603050405020304" pitchFamily="18" charset="0"/>
+                <a:cs typeface="Times New Roman" panose="02020603050405020304" pitchFamily="18" charset="0"/>
+              </a:rPr>
+              <a:t>Enhancing data security</a:t>
+            </a:r>
+            <a:r>
+              <a:rPr lang="en-US" b="0" i="0" spc="-1" dirty="0">
+                <a:effectLst/>
+                <a:latin typeface="Times New Roman"/>
+                <a:cs typeface="Times New Roman" panose="02020603050405020304" pitchFamily="18" charset="0"/>
+              </a:rPr>
+              <a:t> </a:t>
+            </a:r>
+            <a:r>
+              <a:rPr lang="en-US" b="0" i="0" spc="-1" dirty="0">
+                <a:solidFill>
+                  <a:srgbClr val="000000"/>
+                </a:solidFill>
+                <a:effectLst/>
+                <a:latin typeface="Times New Roman"/>
+                <a:cs typeface="Times New Roman" panose="02020603050405020304" pitchFamily="18" charset="0"/>
+              </a:rPr>
+              <a:t>w</a:t>
+            </a:r>
+            <a:r>
               <a:rPr lang="en-US" spc="-1" dirty="0">
                 <a:solidFill>
                   <a:srgbClr val="000000"/>
                 </a:solidFill>
                 <a:latin typeface="Times New Roman"/>
               </a:rPr>
-              <a:t>With the help of Steganography, Storing data in multimedia formats like Images, Audio, and Video adds another level of complexity for potential attackers, making it even harder to compromise data security.</a:t>
+              <a:t>ith the help of Steganography, Storing data in multimedia formats like Images, Audio, and Video adds another level of complexity for potential attackers, making it even harder to compromise data security.</a:t>
             </a:r>
             <a:endParaRPr lang="en-US" sz="2800" b="0" strike="noStrike" spc="-1" dirty="0">
               <a:solidFill>
@@ -14883,7 +15329,7 @@
         </p:nvSpPr>
         <p:spPr>
           <a:xfrm>
-            <a:off x="199440" y="1097280"/>
+            <a:off x="199440" y="1105301"/>
             <a:ext cx="11778840" cy="5394600"/>
           </a:xfrm>
           <a:prstGeom prst="rect">
@@ -14900,7 +15346,7 @@
           </a:bodyPr>
           <a:lstStyle/>
           <a:p>
-            <a:pPr marL="457200" indent="-457200" algn="just">
+            <a:pPr algn="just">
               <a:lnSpc>
                 <a:spcPts val="3700"/>
               </a:lnSpc>
@@ -14910,9 +15356,27 @@
               <a:buClr>
                 <a:srgbClr val="000000"/>
               </a:buClr>
-              <a:buFont typeface="Wingdings" charset="2"/>
-              <a:buChar char=""/>
+              <a:buFont typeface="Wingdings" panose="05000000000000000000" pitchFamily="2" charset="2"/>
+              <a:buChar char="Ø"/>
             </a:pPr>
+            <a:r>
+              <a:rPr lang="en-US" sz="2800" b="0" strike="noStrike" spc="-1" dirty="0">
+                <a:solidFill>
+                  <a:srgbClr val="000000"/>
+                </a:solidFill>
+                <a:latin typeface="Times New Roman"/>
+              </a:rPr>
+              <a:t> In this paper, </a:t>
+            </a:r>
+            <a:r>
+              <a:rPr lang="en-GB" sz="2800" b="0" strike="noStrike" spc="-1" dirty="0">
+                <a:solidFill>
+                  <a:srgbClr val="000000"/>
+                </a:solidFill>
+                <a:latin typeface="Times New Roman"/>
+              </a:rPr>
+              <a:t>The method employs a public auditing scheme for cloud data storage security while preserving the privacy of the user's data. The effectiveness of the auditing procedure is increased by using encryption and the SHA hash method to ensure that the Third Party Access cannot access the outsourced data on the cloud server while performing integrity checks.</a:t>
+            </a:r>
             <a:r>
               <a:rPr lang="en-US" spc="-1" dirty="0">
                 <a:solidFill>
@@ -14920,7 +15384,16 @@
                 </a:solidFill>
                 <a:latin typeface="Times New Roman"/>
               </a:rPr>
-              <a:t>This paper was proposed in order to increase the privacy of file storage, the survey suggests a method to encourage secure encryption and decryption of data using a combination of cryptography and steganography[1]. In this project a novel steganographic method for two-person private communication is given. The approach used in this study combines steganographic and cryptographic methods. A cryptography algorithm is RSA. To hide data in steganography, we use picture steganography. We also employ the Mutual Authentication method to provide Access Control, Confidentiality, Integrity, and Authentication for all cryptographic services. With this strategy, the data may be preserved more safely[2].</a:t>
+              <a:t>The Strength of the paper is that it boost </a:t>
+            </a:r>
+            <a:r>
+              <a:rPr lang="en-GB" spc="-1" dirty="0">
+                <a:solidFill>
+                  <a:srgbClr val="000000"/>
+                </a:solidFill>
+                <a:latin typeface="Times New Roman"/>
+              </a:rPr>
+              <a:t>the outsourced approach for checking data integrity. Utilizing methods of cryptography, the implicit Issue with cloud security has been fixed. The Drawback is that RSA’s encryption and decryption processes take longer[1].</a:t>
             </a:r>
             <a:endParaRPr lang="en-US" sz="2800" b="0" strike="noStrike" spc="-1" dirty="0">
               <a:solidFill>
@@ -15063,40 +15536,14 @@
               <a:buChar char=""/>
             </a:pPr>
             <a:r>
-              <a:rPr lang="en-US" spc="-1" dirty="0">
-                <a:solidFill>
-                  <a:srgbClr val="000000"/>
-                </a:solidFill>
-                <a:latin typeface="Times New Roman"/>
-              </a:rPr>
-              <a:t>The Research provided a new cloud strategy to improve data security, addressing the aforementioned problem while establishing a reliable and secure cloud storage service[3].</a:t>
-            </a:r>
-            <a:r>
               <a:rPr lang="en-US" sz="2800" b="0" strike="noStrike" spc="-1" dirty="0">
                 <a:solidFill>
                   <a:srgbClr val="000000"/>
                 </a:solidFill>
                 <a:latin typeface="Times New Roman"/>
+                <a:cs typeface="Times New Roman" panose="02020603050405020304" pitchFamily="18" charset="0"/>
               </a:rPr>
-              <a:t> </a:t>
-            </a:r>
-            <a:r>
-              <a:rPr lang="en-US" spc="-1" dirty="0">
-                <a:solidFill>
-                  <a:srgbClr val="000000"/>
-                </a:solidFill>
-                <a:latin typeface="Times New Roman"/>
-              </a:rPr>
-              <a:t>The proposed work says that We can create a robust security posture, as well as effective key management and distribution for various users, using Steganography and AES.</a:t>
-            </a:r>
-            <a:r>
-              <a:rPr lang="en-US" sz="2800" b="0" strike="noStrike" spc="-1" dirty="0">
-                <a:solidFill>
-                  <a:srgbClr val="000000"/>
-                </a:solidFill>
-                <a:latin typeface="Times New Roman"/>
-              </a:rPr>
-              <a:t> </a:t>
+              <a:t>In this paper[2], The data is categorized into three types, based on the user prefere</a:t>
             </a:r>
             <a:r>
               <a:rPr lang="en-US" spc="-1" dirty="0">
@@ -15106,27 +15553,7 @@
                 <a:latin typeface="Times New Roman"/>
                 <a:cs typeface="Times New Roman" panose="02020603050405020304" pitchFamily="18" charset="0"/>
               </a:rPr>
-              <a:t>The model creates a </a:t>
-            </a:r>
-            <a:r>
-              <a:rPr lang="en-US" spc="-1" dirty="0" err="1">
-                <a:solidFill>
-                  <a:srgbClr val="000000"/>
-                </a:solidFill>
-                <a:latin typeface="Times New Roman"/>
-                <a:cs typeface="Times New Roman" panose="02020603050405020304" pitchFamily="18" charset="0"/>
-              </a:rPr>
-              <a:t>stego</a:t>
-            </a:r>
-            <a:r>
-              <a:rPr lang="en-US" spc="-1" dirty="0">
-                <a:solidFill>
-                  <a:srgbClr val="000000"/>
-                </a:solidFill>
-                <a:latin typeface="Times New Roman"/>
-                <a:cs typeface="Times New Roman" panose="02020603050405020304" pitchFamily="18" charset="0"/>
-              </a:rPr>
-              <a:t>-image with good quality, security that makes it difficult to find the hidden data, and capacity that lets the model conceal enormous amounts of data </a:t>
+              <a:t>nce</a:t>
             </a:r>
             <a:r>
               <a:rPr lang="en-US" sz="2800" b="0" strike="noStrike" spc="-1" dirty="0">
@@ -15135,7 +15562,25 @@
                 </a:solidFill>
                 <a:latin typeface="Times New Roman"/>
               </a:rPr>
-              <a:t>[4].                                                                                                                                                                </a:t>
+              <a:t> . </a:t>
+            </a:r>
+            <a:r>
+              <a:rPr lang="en-US" spc="-1" dirty="0">
+                <a:solidFill>
+                  <a:srgbClr val="000000"/>
+                </a:solidFill>
+                <a:latin typeface="Times New Roman"/>
+              </a:rPr>
+              <a:t>The three Categories are Not Sensitive data, Sensitive data and Trusted Provider, Sensitive data and non-Trusted Provider. For the second category, The cloud service provider is responsible to establish the security of Data using DES algorithm. For the third category, both user and CSP are responsible for ensuring Data security using AES algorithm before sending to CSP but It utilizes a single hashing method and cryptographic technique.</a:t>
+            </a:r>
+            <a:r>
+              <a:rPr lang="en-US" sz="2800" b="0" strike="noStrike" spc="-1" dirty="0">
+                <a:solidFill>
+                  <a:srgbClr val="000000"/>
+                </a:solidFill>
+                <a:latin typeface="Times New Roman"/>
+              </a:rPr>
+              <a:t>                                                                                                                                                          </a:t>
             </a:r>
           </a:p>
         </p:txBody>
@@ -15201,7 +15646,7 @@
           <a:p>
             <a:pPr marL="457200" indent="-457200" algn="just">
               <a:lnSpc>
-                <a:spcPct val="90000"/>
+                <a:spcPct val="100000"/>
               </a:lnSpc>
               <a:spcBef>
                 <a:spcPts val="1001"/>
@@ -15226,7 +15671,7 @@
           <a:p>
             <a:pPr marL="457200" indent="-457200" algn="just">
               <a:lnSpc>
-                <a:spcPct val="90000"/>
+                <a:spcPct val="100000"/>
               </a:lnSpc>
               <a:spcBef>
                 <a:spcPts val="1001"/>
@@ -15251,7 +15696,7 @@
           <a:p>
             <a:pPr marL="457200" indent="-457200" algn="just">
               <a:lnSpc>
-                <a:spcPct val="90000"/>
+                <a:spcPct val="100000"/>
               </a:lnSpc>
               <a:spcBef>
                 <a:spcPts val="1001"/>
@@ -15270,7 +15715,7 @@
                 <a:latin typeface="Times New Roman" panose="02020603050405020304" pitchFamily="18" charset="0"/>
                 <a:cs typeface="Times New Roman" panose="02020603050405020304" pitchFamily="18" charset="0"/>
               </a:rPr>
-              <a:t>Hash Functions are used without the need for a third party to confirm the impartiality of the data quickly after retrieval.</a:t>
+              <a:t>Hash Functions are used without the need for a third party to confirm the validation of the data quickly after retrieval.</a:t>
             </a:r>
             <a:endParaRPr lang="en-US" sz="2800" b="0" strike="noStrike" spc="-1" dirty="0">
               <a:solidFill>
@@ -15467,276 +15912,7 @@
           </a:bodyPr>
           <a:lstStyle/>
           <a:p>
-            <a:pPr marL="577800" indent="-577800" algn="just">
-              <a:lnSpc>
-                <a:spcPts val="3700"/>
-              </a:lnSpc>
-              <a:spcBef>
-                <a:spcPts val="1001"/>
-              </a:spcBef>
-              <a:tabLst>
-                <a:tab pos="0" algn="l"/>
-              </a:tabLst>
-            </a:pPr>
-            <a:r>
-              <a:rPr lang="en-US" sz="2800" b="0" strike="noStrike" spc="-1" dirty="0">
-                <a:solidFill>
-                  <a:srgbClr val="000000"/>
-                </a:solidFill>
-                <a:latin typeface="Times New Roman"/>
-              </a:rPr>
-              <a:t>[1].Mustafa </a:t>
-            </a:r>
-            <a:r>
-              <a:rPr lang="en-US" sz="2800" b="0" strike="noStrike" spc="-1" dirty="0" err="1">
-                <a:solidFill>
-                  <a:srgbClr val="000000"/>
-                </a:solidFill>
-                <a:latin typeface="Times New Roman"/>
-              </a:rPr>
-              <a:t>S.Abbas,Suadad</a:t>
-            </a:r>
-            <a:r>
-              <a:rPr lang="en-US" sz="2800" b="0" strike="noStrike" spc="-1" dirty="0">
-                <a:solidFill>
-                  <a:srgbClr val="000000"/>
-                </a:solidFill>
-                <a:latin typeface="Times New Roman"/>
-              </a:rPr>
-              <a:t> </a:t>
-            </a:r>
-            <a:r>
-              <a:rPr lang="en-US" sz="2800" b="0" strike="noStrike" spc="-1" dirty="0" err="1">
-                <a:solidFill>
-                  <a:srgbClr val="000000"/>
-                </a:solidFill>
-                <a:latin typeface="Times New Roman"/>
-              </a:rPr>
-              <a:t>S.Mahdi,Shahd</a:t>
-            </a:r>
-            <a:r>
-              <a:rPr lang="en-US" sz="2800" b="0" strike="noStrike" spc="-1" dirty="0">
-                <a:solidFill>
-                  <a:srgbClr val="000000"/>
-                </a:solidFill>
-                <a:latin typeface="Times New Roman"/>
-              </a:rPr>
-              <a:t> </a:t>
-            </a:r>
-            <a:r>
-              <a:rPr lang="en-US" sz="2800" b="0" strike="noStrike" spc="-1" dirty="0" err="1">
-                <a:solidFill>
-                  <a:srgbClr val="000000"/>
-                </a:solidFill>
-                <a:latin typeface="Times New Roman"/>
-              </a:rPr>
-              <a:t>A.Hussain</a:t>
-            </a:r>
-            <a:r>
-              <a:rPr lang="en-US" sz="2800" b="0" strike="noStrike" spc="-1" dirty="0">
-                <a:solidFill>
-                  <a:srgbClr val="000000"/>
-                </a:solidFill>
-                <a:latin typeface="Times New Roman"/>
-              </a:rPr>
-              <a:t>,</a:t>
-            </a:r>
-            <a:r>
-              <a:rPr lang="en-US" dirty="0"/>
-              <a:t> </a:t>
-            </a:r>
-            <a:r>
-              <a:rPr lang="en-US" dirty="0">
-                <a:latin typeface="Times New Roman" panose="02020603050405020304" pitchFamily="18" charset="0"/>
-                <a:cs typeface="Times New Roman" panose="02020603050405020304" pitchFamily="18" charset="0"/>
-                <a:hlinkClick r:id="rId2" action="ppaction://hlinkpres?slideindex=1&amp;slidetitle="/>
-              </a:rPr>
-              <a:t>“Security Improvement of Cloud Data Using Hybrid Cryptography and Steganography”</a:t>
-            </a:r>
-            <a:r>
-              <a:rPr lang="en-US" dirty="0">
-                <a:latin typeface="Times New Roman" panose="02020603050405020304" pitchFamily="18" charset="0"/>
-                <a:cs typeface="Times New Roman" panose="02020603050405020304" pitchFamily="18" charset="0"/>
-              </a:rPr>
-              <a:t>, 2020 International Conference on Computer Science and Software Engineering (CSASE), Duhok, Kurdistan Region – Iraq</a:t>
-            </a:r>
-          </a:p>
-          <a:p>
-            <a:pPr marL="577800" indent="-577800" algn="just">
-              <a:lnSpc>
-                <a:spcPts val="3700"/>
-              </a:lnSpc>
-              <a:spcBef>
-                <a:spcPts val="1001"/>
-              </a:spcBef>
-              <a:tabLst>
-                <a:tab pos="0" algn="l"/>
-              </a:tabLst>
-            </a:pPr>
-            <a:r>
-              <a:rPr lang="en-US" sz="2800" b="0" strike="noStrike" spc="-1" dirty="0">
-                <a:solidFill>
-                  <a:srgbClr val="000000"/>
-                </a:solidFill>
-                <a:latin typeface="Times New Roman"/>
-              </a:rPr>
-              <a:t>[2]. </a:t>
-            </a:r>
-            <a:r>
-              <a:rPr lang="en-IN" dirty="0">
-                <a:latin typeface="Times New Roman" panose="02020603050405020304" pitchFamily="18" charset="0"/>
-                <a:cs typeface="Times New Roman" panose="02020603050405020304" pitchFamily="18" charset="0"/>
-              </a:rPr>
-              <a:t>Srinidhi Kulkarni, </a:t>
-            </a:r>
-            <a:r>
-              <a:rPr lang="en-IN" dirty="0" err="1">
-                <a:latin typeface="Times New Roman" panose="02020603050405020304" pitchFamily="18" charset="0"/>
-                <a:cs typeface="Times New Roman" panose="02020603050405020304" pitchFamily="18" charset="0"/>
-              </a:rPr>
-              <a:t>Manjesh</a:t>
-            </a:r>
-            <a:r>
-              <a:rPr lang="en-IN" dirty="0">
-                <a:latin typeface="Times New Roman" panose="02020603050405020304" pitchFamily="18" charset="0"/>
-                <a:cs typeface="Times New Roman" panose="02020603050405020304" pitchFamily="18" charset="0"/>
-              </a:rPr>
-              <a:t> M, </a:t>
-            </a:r>
-            <a:r>
-              <a:rPr lang="en-IN" dirty="0" err="1">
-                <a:latin typeface="Times New Roman" panose="02020603050405020304" pitchFamily="18" charset="0"/>
-                <a:cs typeface="Times New Roman" panose="02020603050405020304" pitchFamily="18" charset="0"/>
-              </a:rPr>
-              <a:t>Nithish</a:t>
-            </a:r>
-            <a:r>
-              <a:rPr lang="en-IN" dirty="0">
-                <a:latin typeface="Times New Roman" panose="02020603050405020304" pitchFamily="18" charset="0"/>
-                <a:cs typeface="Times New Roman" panose="02020603050405020304" pitchFamily="18" charset="0"/>
-              </a:rPr>
-              <a:t> R, </a:t>
-            </a:r>
-            <a:r>
-              <a:rPr lang="en-IN" dirty="0" err="1">
-                <a:latin typeface="Times New Roman" panose="02020603050405020304" pitchFamily="18" charset="0"/>
-                <a:cs typeface="Times New Roman" panose="02020603050405020304" pitchFamily="18" charset="0"/>
-              </a:rPr>
-              <a:t>Sharanya</a:t>
-            </a:r>
-            <a:r>
-              <a:rPr lang="en-IN" dirty="0">
-                <a:latin typeface="Times New Roman" panose="02020603050405020304" pitchFamily="18" charset="0"/>
-                <a:cs typeface="Times New Roman" panose="02020603050405020304" pitchFamily="18" charset="0"/>
-              </a:rPr>
-              <a:t> R P, </a:t>
-            </a:r>
-            <a:r>
-              <a:rPr lang="en-IN" dirty="0">
-                <a:latin typeface="Times New Roman" panose="02020603050405020304" pitchFamily="18" charset="0"/>
-                <a:cs typeface="Times New Roman" panose="02020603050405020304" pitchFamily="18" charset="0"/>
-                <a:hlinkClick r:id="rId2" action="ppaction://hlinkpres?slideindex=1&amp;slidetitle="/>
-              </a:rPr>
-              <a:t>“</a:t>
-            </a:r>
-            <a:r>
-              <a:rPr lang="en-US" dirty="0">
-                <a:latin typeface="Times New Roman" panose="02020603050405020304" pitchFamily="18" charset="0"/>
-                <a:cs typeface="Times New Roman" panose="02020603050405020304" pitchFamily="18" charset="0"/>
-                <a:hlinkClick r:id="rId2" action="ppaction://hlinkpres?slideindex=1&amp;slidetitle="/>
-              </a:rPr>
-              <a:t>Cloud Based Secure File Storage using Hybrid Cryptography”</a:t>
-            </a:r>
-            <a:r>
-              <a:rPr lang="en-US" dirty="0">
-                <a:latin typeface="Times New Roman" panose="02020603050405020304" pitchFamily="18" charset="0"/>
-                <a:cs typeface="Times New Roman" panose="02020603050405020304" pitchFamily="18" charset="0"/>
-              </a:rPr>
-              <a:t> International Journal of Research Publication and Reviews, Vol 4, no 5, pp 4645-4651 May 2023.</a:t>
-            </a:r>
-            <a:endParaRPr lang="en-US" sz="2800" b="0" strike="noStrike" spc="-1" dirty="0">
-              <a:solidFill>
-                <a:srgbClr val="000000"/>
-              </a:solidFill>
-              <a:latin typeface="Times New Roman"/>
-            </a:endParaRPr>
-          </a:p>
-          <a:p>
-            <a:pPr marL="577800" indent="-577800" algn="just">
-              <a:lnSpc>
-                <a:spcPts val="3700"/>
-              </a:lnSpc>
-              <a:spcBef>
-                <a:spcPts val="1001"/>
-              </a:spcBef>
-              <a:tabLst>
-                <a:tab pos="0" algn="l"/>
-              </a:tabLst>
-            </a:pPr>
-            <a:r>
-              <a:rPr lang="en-IN" dirty="0">
-                <a:latin typeface="Times New Roman" panose="02020603050405020304" pitchFamily="18" charset="0"/>
-                <a:cs typeface="Times New Roman" panose="02020603050405020304" pitchFamily="18" charset="0"/>
-              </a:rPr>
-              <a:t>[3]. </a:t>
-            </a:r>
-            <a:r>
-              <a:rPr lang="en-IN" dirty="0" err="1">
-                <a:latin typeface="Times New Roman" panose="02020603050405020304" pitchFamily="18" charset="0"/>
-                <a:cs typeface="Times New Roman" panose="02020603050405020304" pitchFamily="18" charset="0"/>
-              </a:rPr>
-              <a:t>Afrah</a:t>
-            </a:r>
-            <a:r>
-              <a:rPr lang="en-IN" dirty="0">
-                <a:latin typeface="Times New Roman" panose="02020603050405020304" pitchFamily="18" charset="0"/>
-                <a:cs typeface="Times New Roman" panose="02020603050405020304" pitchFamily="18" charset="0"/>
-              </a:rPr>
-              <a:t> </a:t>
-            </a:r>
-            <a:r>
-              <a:rPr lang="en-IN" dirty="0" err="1">
-                <a:latin typeface="Times New Roman" panose="02020603050405020304" pitchFamily="18" charset="0"/>
-                <a:cs typeface="Times New Roman" panose="02020603050405020304" pitchFamily="18" charset="0"/>
-              </a:rPr>
-              <a:t>Albalawi</a:t>
-            </a:r>
-            <a:r>
-              <a:rPr lang="en-IN" dirty="0">
-                <a:latin typeface="Times New Roman" panose="02020603050405020304" pitchFamily="18" charset="0"/>
-                <a:cs typeface="Times New Roman" panose="02020603050405020304" pitchFamily="18" charset="0"/>
-              </a:rPr>
-              <a:t>, Nermin Hamza, </a:t>
-            </a:r>
-            <a:r>
-              <a:rPr lang="en-IN" dirty="0">
-                <a:latin typeface="Times New Roman" panose="02020603050405020304" pitchFamily="18" charset="0"/>
-                <a:cs typeface="Times New Roman" panose="02020603050405020304" pitchFamily="18" charset="0"/>
-                <a:hlinkClick r:id="rId2" action="ppaction://hlinkpres?slideindex=1&amp;slidetitle="/>
-              </a:rPr>
-              <a:t>“</a:t>
-            </a:r>
-            <a:r>
-              <a:rPr lang="en-US" dirty="0">
-                <a:latin typeface="Times New Roman" panose="02020603050405020304" pitchFamily="18" charset="0"/>
-                <a:cs typeface="Times New Roman" panose="02020603050405020304" pitchFamily="18" charset="0"/>
-                <a:hlinkClick r:id="rId2" action="ppaction://hlinkpres?slideindex=1&amp;slidetitle="/>
-              </a:rPr>
-              <a:t>A Survey on Cloud Data Security using Image Steganography”</a:t>
-            </a:r>
-            <a:r>
-              <a:rPr lang="en-US" dirty="0">
-                <a:latin typeface="Times New Roman" panose="02020603050405020304" pitchFamily="18" charset="0"/>
-                <a:cs typeface="Times New Roman" panose="02020603050405020304" pitchFamily="18" charset="0"/>
-              </a:rPr>
-              <a:t>, (IJACSA) International Journal of Advanced Computer Science and Applications, Vol. 11, No. 1, 2020.</a:t>
-            </a:r>
-          </a:p>
-          <a:p>
             <a:pPr marL="0" indent="0" algn="just">
-              <a:lnSpc>
-                <a:spcPct val="90000"/>
-              </a:lnSpc>
               <a:spcBef>
                 <a:spcPts val="1001"/>
               </a:spcBef>
@@ -15745,7 +15921,325 @@
                 <a:tab pos="0" algn="l"/>
               </a:tabLst>
             </a:pPr>
-            <a:endParaRPr lang="en-US" sz="2800" b="0" strike="noStrike" spc="-1" dirty="0">
+            <a:r>
+              <a:rPr lang="en-US" sz="2800" b="0" strike="noStrike" spc="-1" dirty="0">
+                <a:solidFill>
+                  <a:srgbClr val="000000"/>
+                </a:solidFill>
+                <a:latin typeface="Times New Roman" panose="02020603050405020304" pitchFamily="18" charset="0"/>
+                <a:cs typeface="Times New Roman" panose="02020603050405020304" pitchFamily="18" charset="0"/>
+                <a:hlinkClick r:id="rId2" action="ppaction://hlinksldjump"/>
+              </a:rPr>
+              <a:t>[1]</a:t>
+            </a:r>
+            <a:r>
+              <a:rPr lang="en-US" sz="2800" b="0" strike="noStrike" spc="-1" dirty="0">
+                <a:solidFill>
+                  <a:srgbClr val="000000"/>
+                </a:solidFill>
+                <a:latin typeface="Times New Roman" panose="02020603050405020304" pitchFamily="18" charset="0"/>
+                <a:cs typeface="Times New Roman" panose="02020603050405020304" pitchFamily="18" charset="0"/>
+              </a:rPr>
+              <a:t>.  Sarah </a:t>
+            </a:r>
+            <a:r>
+              <a:rPr lang="en-US" spc="-1" dirty="0">
+                <a:solidFill>
+                  <a:srgbClr val="000000"/>
+                </a:solidFill>
+                <a:latin typeface="Times New Roman" panose="02020603050405020304" pitchFamily="18" charset="0"/>
+                <a:cs typeface="Times New Roman" panose="02020603050405020304" pitchFamily="18" charset="0"/>
+              </a:rPr>
+              <a:t>Shaikh, Deepali Vora, </a:t>
+            </a:r>
+            <a:r>
+              <a:rPr lang="en-US" spc="-1" dirty="0">
+                <a:solidFill>
+                  <a:srgbClr val="000000"/>
+                </a:solidFill>
+                <a:latin typeface="Times New Roman" panose="02020603050405020304" pitchFamily="18" charset="0"/>
+                <a:cs typeface="Times New Roman" panose="02020603050405020304" pitchFamily="18" charset="0"/>
+                <a:hlinkClick r:id="rId3"/>
+              </a:rPr>
+              <a:t>“</a:t>
+            </a:r>
+            <a:r>
+              <a:rPr lang="en-GB" i="0" dirty="0">
+                <a:solidFill>
+                  <a:srgbClr val="333333"/>
+                </a:solidFill>
+                <a:effectLst/>
+                <a:latin typeface="Times New Roman" panose="02020603050405020304" pitchFamily="18" charset="0"/>
+                <a:cs typeface="Times New Roman" panose="02020603050405020304" pitchFamily="18" charset="0"/>
+                <a:hlinkClick r:id="rId3"/>
+              </a:rPr>
+              <a:t>Secure cloud auditing over encrypted data”</a:t>
+            </a:r>
+            <a:r>
+              <a:rPr lang="en-GB" i="0" dirty="0">
+                <a:solidFill>
+                  <a:srgbClr val="333333"/>
+                </a:solidFill>
+                <a:effectLst/>
+                <a:latin typeface="Times New Roman" panose="02020603050405020304" pitchFamily="18" charset="0"/>
+                <a:cs typeface="Times New Roman" panose="02020603050405020304" pitchFamily="18" charset="0"/>
+              </a:rPr>
+              <a:t>,</a:t>
+            </a:r>
+          </a:p>
+          <a:p>
+            <a:pPr marL="0" indent="0" algn="just">
+              <a:spcBef>
+                <a:spcPts val="1001"/>
+              </a:spcBef>
+              <a:buNone/>
+              <a:tabLst>
+                <a:tab pos="0" algn="l"/>
+              </a:tabLst>
+            </a:pPr>
+            <a:r>
+              <a:rPr lang="en-GB" dirty="0">
+                <a:solidFill>
+                  <a:srgbClr val="333333"/>
+                </a:solidFill>
+                <a:latin typeface="Times New Roman" panose="02020603050405020304" pitchFamily="18" charset="0"/>
+                <a:cs typeface="Times New Roman" panose="02020603050405020304" pitchFamily="18" charset="0"/>
+              </a:rPr>
+              <a:t>     </a:t>
+            </a:r>
+            <a:r>
+              <a:rPr lang="en-GB" i="0" dirty="0">
+                <a:solidFill>
+                  <a:srgbClr val="333333"/>
+                </a:solidFill>
+                <a:effectLst/>
+                <a:latin typeface="Times New Roman" panose="02020603050405020304" pitchFamily="18" charset="0"/>
+                <a:cs typeface="Times New Roman" panose="02020603050405020304" pitchFamily="18" charset="0"/>
+              </a:rPr>
+              <a:t> </a:t>
+            </a:r>
+            <a:r>
+              <a:rPr lang="en-GB" b="1" dirty="0">
+                <a:solidFill>
+                  <a:srgbClr val="333333"/>
+                </a:solidFill>
+                <a:latin typeface="HelveticaNeue Regular"/>
+                <a:cs typeface="Times New Roman" panose="02020603050405020304" pitchFamily="18" charset="0"/>
+              </a:rPr>
+              <a:t> </a:t>
+            </a:r>
+            <a:r>
+              <a:rPr lang="en-GB" b="0" i="0" u="none" strike="noStrike" dirty="0">
+                <a:effectLst/>
+                <a:latin typeface="Times New Roman" panose="02020603050405020304" pitchFamily="18" charset="0"/>
+                <a:cs typeface="Times New Roman" panose="02020603050405020304" pitchFamily="18" charset="0"/>
+              </a:rPr>
+              <a:t>2016 International Conference on Communication and Electronics Systems</a:t>
+            </a:r>
+          </a:p>
+          <a:p>
+            <a:pPr marL="0" indent="0" algn="just">
+              <a:spcBef>
+                <a:spcPts val="1001"/>
+              </a:spcBef>
+              <a:buNone/>
+              <a:tabLst>
+                <a:tab pos="0" algn="l"/>
+              </a:tabLst>
+            </a:pPr>
+            <a:r>
+              <a:rPr lang="en-GB" dirty="0">
+                <a:latin typeface="Times New Roman" panose="02020603050405020304" pitchFamily="18" charset="0"/>
+                <a:cs typeface="Times New Roman" panose="02020603050405020304" pitchFamily="18" charset="0"/>
+              </a:rPr>
+              <a:t>     </a:t>
+            </a:r>
+            <a:r>
+              <a:rPr lang="en-GB" b="0" i="0" u="none" strike="noStrike" dirty="0">
+                <a:effectLst/>
+                <a:latin typeface="Times New Roman" panose="02020603050405020304" pitchFamily="18" charset="0"/>
+                <a:cs typeface="Times New Roman" panose="02020603050405020304" pitchFamily="18" charset="0"/>
+              </a:rPr>
+              <a:t>  (ICCES)</a:t>
+            </a:r>
+          </a:p>
+          <a:p>
+            <a:pPr marL="0" indent="0" algn="just">
+              <a:spcBef>
+                <a:spcPts val="1001"/>
+              </a:spcBef>
+              <a:buNone/>
+              <a:tabLst>
+                <a:tab pos="0" algn="l"/>
+              </a:tabLst>
+            </a:pPr>
+            <a:r>
+              <a:rPr lang="en-GB" dirty="0">
+                <a:latin typeface="Times New Roman" panose="02020603050405020304" pitchFamily="18" charset="0"/>
+                <a:cs typeface="Times New Roman" panose="02020603050405020304" pitchFamily="18" charset="0"/>
+                <a:hlinkClick r:id="rId4" action="ppaction://hlinksldjump"/>
+              </a:rPr>
+              <a:t>[2]. </a:t>
+            </a:r>
+            <a:r>
+              <a:rPr lang="en-GB" dirty="0">
+                <a:latin typeface="Times New Roman" panose="02020603050405020304" pitchFamily="18" charset="0"/>
+                <a:cs typeface="Times New Roman" panose="02020603050405020304" pitchFamily="18" charset="0"/>
+              </a:rPr>
+              <a:t>Richa Singla, Richa Dutta, </a:t>
+            </a:r>
+            <a:r>
+              <a:rPr lang="en-GB" dirty="0">
+                <a:latin typeface="Times New Roman" panose="02020603050405020304" pitchFamily="18" charset="0"/>
+                <a:cs typeface="Times New Roman" panose="02020603050405020304" pitchFamily="18" charset="0"/>
+                <a:hlinkClick r:id="rId5"/>
+              </a:rPr>
+              <a:t>“Hybrid Algorithm for Cloud Data Security”</a:t>
+            </a:r>
+            <a:r>
+              <a:rPr lang="en-GB" dirty="0">
+                <a:latin typeface="Times New Roman" panose="02020603050405020304" pitchFamily="18" charset="0"/>
+                <a:cs typeface="Times New Roman" panose="02020603050405020304" pitchFamily="18" charset="0"/>
+              </a:rPr>
+              <a:t>,</a:t>
+            </a:r>
+          </a:p>
+          <a:p>
+            <a:pPr marL="0" indent="0" algn="just">
+              <a:spcBef>
+                <a:spcPts val="1001"/>
+              </a:spcBef>
+              <a:buNone/>
+              <a:tabLst>
+                <a:tab pos="0" algn="l"/>
+              </a:tabLst>
+            </a:pPr>
+            <a:r>
+              <a:rPr lang="en-GB" dirty="0">
+                <a:latin typeface="Times New Roman" panose="02020603050405020304" pitchFamily="18" charset="0"/>
+                <a:cs typeface="Times New Roman" panose="02020603050405020304" pitchFamily="18" charset="0"/>
+              </a:rPr>
+              <a:t>       </a:t>
+            </a:r>
+            <a:r>
+              <a:rPr lang="en-GB" b="0" i="0" dirty="0">
+                <a:effectLst/>
+                <a:latin typeface="Times New Roman" panose="02020603050405020304" pitchFamily="18" charset="0"/>
+                <a:cs typeface="Times New Roman" panose="02020603050405020304" pitchFamily="18" charset="0"/>
+              </a:rPr>
+              <a:t>International Journal of IT &amp; Knowledge Management (</a:t>
+            </a:r>
+            <a:r>
+              <a:rPr lang="en-GB" b="1" i="0" dirty="0">
+                <a:effectLst/>
+                <a:latin typeface="Times New Roman" panose="02020603050405020304" pitchFamily="18" charset="0"/>
+                <a:cs typeface="Times New Roman" panose="02020603050405020304" pitchFamily="18" charset="0"/>
+              </a:rPr>
+              <a:t>IJITKM</a:t>
+            </a:r>
+            <a:r>
+              <a:rPr lang="en-GB" b="0" i="0" dirty="0">
+                <a:effectLst/>
+                <a:latin typeface="Times New Roman" panose="02020603050405020304" pitchFamily="18" charset="0"/>
+                <a:cs typeface="Times New Roman" panose="02020603050405020304" pitchFamily="18" charset="0"/>
+              </a:rPr>
+              <a:t>), </a:t>
+            </a:r>
+            <a:r>
+              <a:rPr lang="en-IN" dirty="0">
+                <a:latin typeface="Times New Roman" panose="02020603050405020304" pitchFamily="18" charset="0"/>
+                <a:cs typeface="Times New Roman" panose="02020603050405020304" pitchFamily="18" charset="0"/>
+              </a:rPr>
+              <a:t>Volume-</a:t>
+            </a:r>
+          </a:p>
+          <a:p>
+            <a:pPr marL="0" indent="0" algn="just">
+              <a:spcBef>
+                <a:spcPts val="1001"/>
+              </a:spcBef>
+              <a:buNone/>
+              <a:tabLst>
+                <a:tab pos="0" algn="l"/>
+              </a:tabLst>
+            </a:pPr>
+            <a:r>
+              <a:rPr lang="en-IN" dirty="0">
+                <a:latin typeface="Times New Roman" panose="02020603050405020304" pitchFamily="18" charset="0"/>
+                <a:cs typeface="Times New Roman" panose="02020603050405020304" pitchFamily="18" charset="0"/>
+              </a:rPr>
+              <a:t>      10, Number-2 Jan-June 2017.</a:t>
+            </a:r>
+          </a:p>
+          <a:p>
+            <a:pPr marL="0" indent="0" algn="just">
+              <a:spcBef>
+                <a:spcPts val="1001"/>
+              </a:spcBef>
+              <a:buNone/>
+              <a:tabLst>
+                <a:tab pos="0" algn="l"/>
+              </a:tabLst>
+            </a:pPr>
+            <a:r>
+              <a:rPr lang="en-IN" i="0" dirty="0">
+                <a:effectLst/>
+                <a:latin typeface="Times New Roman" panose="02020603050405020304" pitchFamily="18" charset="0"/>
+                <a:cs typeface="Times New Roman" panose="02020603050405020304" pitchFamily="18" charset="0"/>
+                <a:hlinkClick r:id="rId2" action="ppaction://hlinksldjump"/>
+              </a:rPr>
+              <a:t>[3]</a:t>
+            </a:r>
+            <a:r>
+              <a:rPr lang="en-IN" i="0" dirty="0">
+                <a:effectLst/>
+                <a:latin typeface="Times New Roman" panose="02020603050405020304" pitchFamily="18" charset="0"/>
+                <a:cs typeface="Times New Roman" panose="02020603050405020304" pitchFamily="18" charset="0"/>
+              </a:rPr>
+              <a:t>. </a:t>
+            </a:r>
+            <a:r>
+              <a:rPr lang="en-US" spc="-1" dirty="0">
+                <a:solidFill>
+                  <a:srgbClr val="000000"/>
+                </a:solidFill>
+                <a:latin typeface="Times New Roman" panose="02020603050405020304" pitchFamily="18" charset="0"/>
+                <a:cs typeface="Times New Roman" panose="02020603050405020304" pitchFamily="18" charset="0"/>
+              </a:rPr>
+              <a:t>Ashraf </a:t>
+            </a:r>
+            <a:r>
+              <a:rPr lang="en-US" spc="-1" dirty="0" err="1">
+                <a:solidFill>
+                  <a:srgbClr val="000000"/>
+                </a:solidFill>
+                <a:latin typeface="Times New Roman" panose="02020603050405020304" pitchFamily="18" charset="0"/>
+                <a:cs typeface="Times New Roman" panose="02020603050405020304" pitchFamily="18" charset="0"/>
+              </a:rPr>
+              <a:t>A.M.Khalaf</a:t>
+            </a:r>
+            <a:r>
+              <a:rPr lang="en-US" spc="-1" dirty="0">
+                <a:solidFill>
+                  <a:srgbClr val="000000"/>
+                </a:solidFill>
+                <a:latin typeface="Times New Roman" panose="02020603050405020304" pitchFamily="18" charset="0"/>
+                <a:cs typeface="Times New Roman" panose="02020603050405020304" pitchFamily="18" charset="0"/>
+              </a:rPr>
+              <a:t>, Osama Fouad Abdel Wahab, </a:t>
+            </a:r>
+            <a:r>
+              <a:rPr lang="en-US" spc="-1" dirty="0">
+                <a:solidFill>
+                  <a:srgbClr val="000000"/>
+                </a:solidFill>
+                <a:latin typeface="Times New Roman" panose="02020603050405020304" pitchFamily="18" charset="0"/>
+                <a:cs typeface="Times New Roman" panose="02020603050405020304" pitchFamily="18" charset="0"/>
+                <a:hlinkClick r:id="rId6"/>
+              </a:rPr>
+              <a:t>“Hiding Data Using</a:t>
+            </a:r>
+            <a:endParaRPr lang="en-US" spc="-1" dirty="0">
               <a:solidFill>
                 <a:srgbClr val="000000"/>
               </a:solidFill>
@@ -15754,22 +16248,110 @@
             </a:endParaRPr>
           </a:p>
           <a:p>
-            <a:pPr marL="577800" indent="-577800" algn="just">
-              <a:lnSpc>
-                <a:spcPct val="90000"/>
-              </a:lnSpc>
+            <a:pPr marL="0" indent="0" algn="just">
               <a:spcBef>
                 <a:spcPts val="1001"/>
               </a:spcBef>
+              <a:buNone/>
               <a:tabLst>
                 <a:tab pos="0" algn="l"/>
               </a:tabLst>
             </a:pPr>
-            <a:endParaRPr lang="en-US" sz="2800" b="0" strike="noStrike" spc="-1" dirty="0">
+            <a:r>
+              <a:rPr lang="en-US" spc="-1" dirty="0">
+                <a:solidFill>
+                  <a:srgbClr val="000000"/>
+                </a:solidFill>
+                <a:latin typeface="Times New Roman" panose="02020603050405020304" pitchFamily="18" charset="0"/>
+                <a:cs typeface="Times New Roman" panose="02020603050405020304" pitchFamily="18" charset="0"/>
+              </a:rPr>
+              <a:t>      </a:t>
+            </a:r>
+            <a:r>
+              <a:rPr lang="en-US" spc="-1" dirty="0">
+                <a:solidFill>
+                  <a:srgbClr val="000000"/>
+                </a:solidFill>
+                <a:latin typeface="Times New Roman" panose="02020603050405020304" pitchFamily="18" charset="0"/>
+                <a:cs typeface="Times New Roman" panose="02020603050405020304" pitchFamily="18" charset="0"/>
+                <a:hlinkClick r:id="rId6"/>
+              </a:rPr>
+              <a:t>Efficient Combination of RSA Cryptography, and Compression</a:t>
+            </a:r>
+            <a:endParaRPr lang="en-US" spc="-1" dirty="0">
               <a:solidFill>
                 <a:srgbClr val="000000"/>
               </a:solidFill>
-              <a:latin typeface="Times New Roman"/>
+              <a:latin typeface="Times New Roman" panose="02020603050405020304" pitchFamily="18" charset="0"/>
+              <a:cs typeface="Times New Roman" panose="02020603050405020304" pitchFamily="18" charset="0"/>
+            </a:endParaRPr>
+          </a:p>
+          <a:p>
+            <a:pPr marL="0" indent="0" algn="just">
+              <a:spcBef>
+                <a:spcPts val="1001"/>
+              </a:spcBef>
+              <a:buNone/>
+              <a:tabLst>
+                <a:tab pos="0" algn="l"/>
+              </a:tabLst>
+            </a:pPr>
+            <a:r>
+              <a:rPr lang="en-US" spc="-1" dirty="0">
+                <a:solidFill>
+                  <a:srgbClr val="000000"/>
+                </a:solidFill>
+                <a:latin typeface="Times New Roman" panose="02020603050405020304" pitchFamily="18" charset="0"/>
+                <a:cs typeface="Times New Roman" panose="02020603050405020304" pitchFamily="18" charset="0"/>
+              </a:rPr>
+              <a:t>      </a:t>
+            </a:r>
+            <a:r>
+              <a:rPr lang="en-US" spc="-1" dirty="0">
+                <a:solidFill>
+                  <a:srgbClr val="000000"/>
+                </a:solidFill>
+                <a:latin typeface="Times New Roman" panose="02020603050405020304" pitchFamily="18" charset="0"/>
+                <a:cs typeface="Times New Roman" panose="02020603050405020304" pitchFamily="18" charset="0"/>
+                <a:hlinkClick r:id="rId6"/>
+              </a:rPr>
+              <a:t>Steganography Techniques”, </a:t>
+            </a:r>
+            <a:r>
+              <a:rPr lang="en-US" spc="-1" dirty="0">
+                <a:solidFill>
+                  <a:srgbClr val="000000"/>
+                </a:solidFill>
+                <a:latin typeface="Times New Roman" panose="02020603050405020304" pitchFamily="18" charset="0"/>
+                <a:cs typeface="Times New Roman" panose="02020603050405020304" pitchFamily="18" charset="0"/>
+              </a:rPr>
+              <a:t>IEEE Access(Volume:9) on 18 February 2021.</a:t>
+            </a:r>
+          </a:p>
+          <a:p>
+            <a:pPr marL="0" indent="0" algn="just">
+              <a:spcBef>
+                <a:spcPts val="1001"/>
+              </a:spcBef>
+              <a:buNone/>
+              <a:tabLst>
+                <a:tab pos="0" algn="l"/>
+              </a:tabLst>
+            </a:pPr>
+            <a:r>
+              <a:rPr lang="en-US" spc="-1" dirty="0">
+                <a:solidFill>
+                  <a:srgbClr val="000000"/>
+                </a:solidFill>
+                <a:latin typeface="Times New Roman" panose="02020603050405020304" pitchFamily="18" charset="0"/>
+                <a:cs typeface="Times New Roman" panose="02020603050405020304" pitchFamily="18" charset="0"/>
+              </a:rPr>
+              <a:t> </a:t>
+            </a:r>
+            <a:endParaRPr lang="en-GB" i="0" dirty="0">
+              <a:effectLst/>
+              <a:latin typeface="Times New Roman" panose="02020603050405020304" pitchFamily="18" charset="0"/>
+              <a:cs typeface="Times New Roman" panose="02020603050405020304" pitchFamily="18" charset="0"/>
             </a:endParaRPr>
           </a:p>
         </p:txBody>
